--- a/usage/markdown.pptx
+++ b/usage/markdown.pptx
@@ -7,6 +7,7 @@
   <p:sldIdLst>
     <p:sldId id="256" r:id="rId2"/>
     <p:sldId id="257" r:id="rId3"/>
+    <p:sldId id="258" r:id="rId4"/>
   </p:sldIdLst>
   <p:sldSz cx="9144000" cy="5143500" type="screen16x9"/>
   <p:notesSz cx="6858000" cy="9144000"/>
@@ -3173,6 +3174,107 @@
       </p:grpSpPr>
       <p:sp>
         <p:nvSpPr>
+          <p:cNvPr id="3" name="Content Placeholder 2"/>
+          <p:cNvSpPr>
+            <a:spLocks noGrp="1"/>
+          </p:cNvSpPr>
+          <p:nvPr>
+            <p:ph idx="1"/>
+          </p:nvPr>
+        </p:nvSpPr>
+        <p:spPr/>
+        <p:txBody>
+          <a:bodyPr/>
+          <a:lstStyle/>
+          <a:p>
+            <a:pPr lvl="0" indent="0" marL="0">
+              <a:buNone/>
+            </a:pPr>
+            <a:r>
+              <a:rPr/>
+              <a:t>Markdown is just a plain text format that is designed to be easy to write, and, even more importantly, easy to read.</a:t>
+            </a:r>
+          </a:p>
+          <a:p>
+            <a:pPr lvl="0" indent="0" marL="0">
+              <a:buNone/>
+            </a:pPr>
+            <a:r>
+              <a:rPr/>
+              <a:t>For example:</a:t>
+            </a:r>
+          </a:p>
+          <a:p>
+            <a:pPr lvl="0" indent="0">
+              <a:buNone/>
+            </a:pPr>
+            <a:r>
+              <a:rPr>
+                <a:solidFill>
+                  <a:srgbClr val="4758AB"/>
+                </a:solidFill>
+                <a:latin typeface="Courier"/>
+              </a:rPr>
+              <a:t>## Hello world</a:t>
+            </a:r>
+            <a:br/>
+            <a:br/>
+            <a:r>
+              <a:rPr>
+                <a:solidFill>
+                  <a:srgbClr val="657422"/>
+                </a:solidFill>
+                <a:latin typeface="Courier"/>
+              </a:rPr>
+              <a:t>&gt; The world is nice.</a:t>
+            </a:r>
+            <a:br/>
+            <a:br/>
+            <a:r>
+              <a:rPr>
+                <a:solidFill>
+                  <a:srgbClr val="003B4F"/>
+                </a:solidFill>
+                <a:latin typeface="Courier"/>
+              </a:rPr>
+              <a:t>And this is **important** to _note_.</a:t>
+            </a:r>
+          </a:p>
+          <a:p>
+            <a:pPr lvl="0" indent="0" marL="0">
+              <a:buNone/>
+            </a:pPr>
+            <a:r>
+              <a:rPr/>
+              <a:t>Will be rendered like this.</a:t>
+            </a:r>
+          </a:p>
+        </p:txBody>
+      </p:sp>
+    </p:spTree>
+  </p:cSld>
+</p:sld>
+</file>
+
+<file path=ppt/slides/slide3.xml><?xml version="1.0" encoding="utf-8"?>
+<p:sld xmlns:a="http://schemas.openxmlformats.org/drawingml/2006/main" xmlns:r="http://schemas.openxmlformats.org/officeDocument/2006/relationships" xmlns:p="http://schemas.openxmlformats.org/presentationml/2006/main">
+  <p:cSld>
+    <p:spTree>
+      <p:nvGrpSpPr>
+        <p:cNvPr id="1" name=""/>
+        <p:cNvGrpSpPr/>
+        <p:nvPr/>
+      </p:nvGrpSpPr>
+      <p:grpSpPr>
+        <a:xfrm>
+          <a:off x="0" y="0"/>
+          <a:ext cx="0" cy="0"/>
+          <a:chOff x="0" y="0"/>
+          <a:chExt cx="0" cy="0"/>
+        </a:xfrm>
+      </p:grpSpPr>
+      <p:sp>
+        <p:nvSpPr>
           <p:cNvPr id="2" name="Title 1"/>
           <p:cNvSpPr>
             <a:spLocks noGrp="1"/>
@@ -3191,7 +3293,7 @@
             </a:pPr>
             <a:r>
               <a:rPr/>
-              <a:t>This header</a:t>
+              <a:t>Hello world</a:t>
             </a:r>
           </a:p>
         </p:txBody>
@@ -3216,19 +3318,52 @@
             </a:pPr>
             <a:r>
               <a:rPr sz="2000"/>
-              <a:t>quote</a:t>
+              <a:t>The world is nice.</a:t>
             </a:r>
           </a:p>
           <a:p>
             <a:pPr lvl="0" indent="0" marL="0">
-              <a:spcBef>
-                <a:spcPts val="3000"/>
-              </a:spcBef>
               <a:buNone/>
             </a:pPr>
             <a:r>
+              <a:rPr/>
+              <a:t>And this is </a:t>
+            </a:r>
+            <a:r>
               <a:rPr b="1"/>
-              <a:t>Heay</a:t>
+              <a:t>important</a:t>
+            </a:r>
+            <a:r>
+              <a:rPr/>
+              <a:t> to </a:t>
+            </a:r>
+            <a:r>
+              <a:rPr i="1"/>
+              <a:t>note</a:t>
+            </a:r>
+            <a:r>
+              <a:rPr/>
+              <a:t>.</a:t>
+            </a:r>
+          </a:p>
+          <a:p>
+            <a:pPr lvl="0" indent="0" marL="0">
+              <a:buNone/>
+            </a:pPr>
+            <a:r>
+              <a:rPr/>
+              <a:t>The quarto documentation provide a detailed documentation here.</a:t>
+            </a:r>
+          </a:p>
+          <a:p>
+            <a:pPr lvl="0" indent="0" marL="0">
+              <a:buNone/>
+            </a:pPr>
+            <a:r>
+              <a:rPr>
+                <a:hlinkClick r:id="rId2"/>
+              </a:rPr>
+              <a:t>https://quarto.org/docs/authoring/markdown-basics.html</a:t>
             </a:r>
           </a:p>
         </p:txBody>

--- a/usage/markdown.pptx
+++ b/usage/markdown.pptx
@@ -3193,6 +3193,15 @@
             <a:r>
               <a:rPr/>
               <a:t>Markdown is just a plain text format that is designed to be easy to write, and, even more importantly, easy to read.</a:t>
+            </a:r>
+          </a:p>
+          <a:p>
+            <a:pPr lvl="0" indent="0" marL="0">
+              <a:buNone/>
+            </a:pPr>
+            <a:r>
+              <a:rPr/>
+              <a:t>It just requires a little training but then it is very fast to edit.</a:t>
             </a:r>
           </a:p>
           <a:p>
